--- a/non-src/Presentation/relevance.pptx
+++ b/non-src/Presentation/relevance.pptx
@@ -194,7 +194,7 @@
           <a:p>
             <a:fld id="{D374BD28-B62A-4B4A-8C29-1CC5490DA60C}" type="datetimeFigureOut">
               <a:rPr lang="de-DE" smtClean="0"/>
-              <a:t>18.06.2015</a:t>
+              <a:t>23.06.2015</a:t>
             </a:fld>
             <a:endParaRPr lang="de-DE"/>
           </a:p>
@@ -643,7 +643,7 @@
           <a:p>
             <a:fld id="{00781EAF-5D38-4307-A880-116C3607676F}" type="datetime1">
               <a:rPr lang="de-DE" smtClean="0"/>
-              <a:t>18.06.2015</a:t>
+              <a:t>23.06.2015</a:t>
             </a:fld>
             <a:endParaRPr lang="de-DE"/>
           </a:p>
@@ -812,7 +812,7 @@
           <a:p>
             <a:fld id="{1644D97E-137F-4E35-8854-951126A2FD34}" type="datetime1">
               <a:rPr lang="de-DE" smtClean="0"/>
-              <a:t>18.06.2015</a:t>
+              <a:t>23.06.2015</a:t>
             </a:fld>
             <a:endParaRPr lang="de-DE"/>
           </a:p>
@@ -991,7 +991,7 @@
           <a:p>
             <a:fld id="{1CD1BA2D-A256-4537-9A28-EB7250D11B4D}" type="datetime1">
               <a:rPr lang="de-DE" smtClean="0"/>
-              <a:t>18.06.2015</a:t>
+              <a:t>23.06.2015</a:t>
             </a:fld>
             <a:endParaRPr lang="de-DE"/>
           </a:p>
@@ -1160,7 +1160,7 @@
           <a:p>
             <a:fld id="{9793C4F8-5022-4982-A1C7-60A909C93A6A}" type="datetime1">
               <a:rPr lang="de-DE" smtClean="0"/>
-              <a:t>18.06.2015</a:t>
+              <a:t>23.06.2015</a:t>
             </a:fld>
             <a:endParaRPr lang="de-DE"/>
           </a:p>
@@ -1405,7 +1405,7 @@
           <a:p>
             <a:fld id="{AFCF1B91-4B26-4443-8D5E-5C2C56F30BDC}" type="datetime1">
               <a:rPr lang="de-DE" smtClean="0"/>
-              <a:t>18.06.2015</a:t>
+              <a:t>23.06.2015</a:t>
             </a:fld>
             <a:endParaRPr lang="de-DE"/>
           </a:p>
@@ -1692,7 +1692,7 @@
           <a:p>
             <a:fld id="{D014C72B-3EC0-4082-842F-744569193D2C}" type="datetime1">
               <a:rPr lang="de-DE" smtClean="0"/>
-              <a:t>18.06.2015</a:t>
+              <a:t>23.06.2015</a:t>
             </a:fld>
             <a:endParaRPr lang="de-DE"/>
           </a:p>
@@ -2113,7 +2113,7 @@
           <a:p>
             <a:fld id="{BD22693E-1F5D-4B50-9EE3-550A3D2C1389}" type="datetime1">
               <a:rPr lang="de-DE" smtClean="0"/>
-              <a:t>18.06.2015</a:t>
+              <a:t>23.06.2015</a:t>
             </a:fld>
             <a:endParaRPr lang="de-DE"/>
           </a:p>
@@ -2230,7 +2230,7 @@
           <a:p>
             <a:fld id="{516356E6-FEEB-469C-8697-23A32CF94B86}" type="datetime1">
               <a:rPr lang="de-DE" smtClean="0"/>
-              <a:t>18.06.2015</a:t>
+              <a:t>23.06.2015</a:t>
             </a:fld>
             <a:endParaRPr lang="de-DE"/>
           </a:p>
@@ -2324,7 +2324,7 @@
           <a:p>
             <a:fld id="{5EFC906F-5234-4EBF-8CB2-56E8DDF4D3C1}" type="datetime1">
               <a:rPr lang="de-DE" smtClean="0"/>
-              <a:t>18.06.2015</a:t>
+              <a:t>23.06.2015</a:t>
             </a:fld>
             <a:endParaRPr lang="de-DE"/>
           </a:p>
@@ -2600,7 +2600,7 @@
           <a:p>
             <a:fld id="{031B132D-88A7-463D-82EA-397D1B6A6E70}" type="datetime1">
               <a:rPr lang="de-DE" smtClean="0"/>
-              <a:t>18.06.2015</a:t>
+              <a:t>23.06.2015</a:t>
             </a:fld>
             <a:endParaRPr lang="de-DE"/>
           </a:p>
@@ -2852,7 +2852,7 @@
           <a:p>
             <a:fld id="{8B0B5862-8595-4747-9E23-CDA439968017}" type="datetime1">
               <a:rPr lang="de-DE" smtClean="0"/>
-              <a:t>18.06.2015</a:t>
+              <a:t>23.06.2015</a:t>
             </a:fld>
             <a:endParaRPr lang="de-DE"/>
           </a:p>
@@ -3064,7 +3064,7 @@
           <a:p>
             <a:fld id="{7F50287E-193D-480B-B6E9-3208F1302D56}" type="datetime1">
               <a:rPr lang="de-DE" smtClean="0"/>
-              <a:t>18.06.2015</a:t>
+              <a:t>23.06.2015</a:t>
             </a:fld>
             <a:endParaRPr lang="de-DE"/>
           </a:p>
@@ -3504,8 +3504,12 @@
               <a:t> </a:t>
             </a:r>
             <a:r>
+              <a:rPr lang="de-DE" dirty="0" err="1"/>
+              <a:t>a</a:t>
+            </a:r>
+            <a:r>
               <a:rPr lang="de-DE" dirty="0" err="1" smtClean="0"/>
-              <a:t>Agents</a:t>
+              <a:t>gents</a:t>
             </a:r>
             <a:endParaRPr lang="de-DE" dirty="0" smtClean="0"/>
           </a:p>
@@ -4878,14 +4882,31 @@
         </p:spPr>
         <p:txBody>
           <a:bodyPr>
-            <a:normAutofit/>
+            <a:normAutofit fontScale="92500" lnSpcReduction="20000"/>
           </a:bodyPr>
           <a:lstStyle/>
           <a:p>
             <a:r>
               <a:rPr lang="de-DE" dirty="0" smtClean="0"/>
-              <a:t>10000 Games</a:t>
-            </a:r>
+              <a:t>10000 </a:t>
+            </a:r>
+            <a:r>
+              <a:rPr lang="de-DE" dirty="0" smtClean="0"/>
+              <a:t>Games </a:t>
+            </a:r>
+            <a:r>
+              <a:rPr lang="de-DE" dirty="0" err="1" smtClean="0"/>
+              <a:t>player</a:t>
+            </a:r>
+            <a:r>
+              <a:rPr lang="de-DE" dirty="0" smtClean="0"/>
+              <a:t> vs. </a:t>
+            </a:r>
+            <a:r>
+              <a:rPr lang="de-DE" dirty="0" err="1" smtClean="0"/>
+              <a:t>dealer</a:t>
+            </a:r>
+            <a:endParaRPr lang="de-DE" dirty="0" smtClean="0"/>
           </a:p>
           <a:p>
             <a:r>
@@ -5031,12 +5052,103 @@
             </a:r>
             <a:r>
               <a:rPr lang="de-DE" dirty="0" err="1" smtClean="0"/>
-              <a:t>to</a:t>
+              <a:t>too</a:t>
             </a:r>
             <a:r>
               <a:rPr lang="de-DE" dirty="0" smtClean="0"/>
               <a:t>)</a:t>
             </a:r>
+          </a:p>
+          <a:p>
+            <a:r>
+              <a:rPr lang="de-DE" dirty="0" smtClean="0"/>
+              <a:t>Luck </a:t>
+            </a:r>
+            <a:r>
+              <a:rPr lang="de-DE" dirty="0" err="1" smtClean="0"/>
+              <a:t>is</a:t>
+            </a:r>
+            <a:r>
+              <a:rPr lang="de-DE" dirty="0" smtClean="0"/>
+              <a:t> </a:t>
+            </a:r>
+            <a:r>
+              <a:rPr lang="de-DE" dirty="0" err="1" smtClean="0"/>
+              <a:t>significant</a:t>
+            </a:r>
+            <a:r>
+              <a:rPr lang="de-DE" dirty="0" smtClean="0"/>
+              <a:t> </a:t>
+            </a:r>
+            <a:r>
+              <a:rPr lang="de-DE" dirty="0" err="1" smtClean="0"/>
+              <a:t>for</a:t>
+            </a:r>
+            <a:r>
+              <a:rPr lang="de-DE" dirty="0" smtClean="0"/>
+              <a:t> </a:t>
+            </a:r>
+            <a:r>
+              <a:rPr lang="de-DE" dirty="0" err="1" smtClean="0"/>
+              <a:t>BlackJack</a:t>
+            </a:r>
+            <a:r>
+              <a:rPr lang="de-DE" dirty="0" smtClean="0"/>
+              <a:t> </a:t>
+            </a:r>
+            <a:r>
+              <a:rPr lang="de-DE" dirty="0" err="1" smtClean="0"/>
+              <a:t>and</a:t>
+            </a:r>
+            <a:r>
+              <a:rPr lang="de-DE" dirty="0" smtClean="0"/>
+              <a:t> so </a:t>
+            </a:r>
+            <a:r>
+              <a:rPr lang="de-DE" dirty="0" err="1" smtClean="0"/>
+              <a:t>it‘s</a:t>
+            </a:r>
+            <a:r>
+              <a:rPr lang="de-DE" dirty="0" smtClean="0"/>
+              <a:t> </a:t>
+            </a:r>
+            <a:r>
+              <a:rPr lang="de-DE" dirty="0" err="1" smtClean="0"/>
+              <a:t>difficult</a:t>
+            </a:r>
+            <a:r>
+              <a:rPr lang="de-DE" dirty="0" smtClean="0"/>
+              <a:t> </a:t>
+            </a:r>
+            <a:r>
+              <a:rPr lang="de-DE" dirty="0" err="1" smtClean="0"/>
+              <a:t>to</a:t>
+            </a:r>
+            <a:r>
+              <a:rPr lang="de-DE" dirty="0" smtClean="0"/>
+              <a:t> </a:t>
+            </a:r>
+            <a:r>
+              <a:rPr lang="de-DE" dirty="0" err="1" smtClean="0"/>
+              <a:t>construct</a:t>
+            </a:r>
+            <a:r>
+              <a:rPr lang="de-DE" dirty="0" smtClean="0"/>
+              <a:t> </a:t>
+            </a:r>
+            <a:r>
+              <a:rPr lang="de-DE" dirty="0" err="1" smtClean="0"/>
+              <a:t>good</a:t>
+            </a:r>
+            <a:r>
+              <a:rPr lang="de-DE" dirty="0" smtClean="0"/>
+              <a:t> </a:t>
+            </a:r>
+            <a:r>
+              <a:rPr lang="de-DE" smtClean="0"/>
+              <a:t>agents</a:t>
+            </a:r>
+            <a:endParaRPr lang="de-DE" dirty="0" smtClean="0"/>
           </a:p>
           <a:p>
             <a:pPr marL="457200" lvl="1" indent="0">

--- a/non-src/Presentation/relevance.pptx
+++ b/non-src/Presentation/relevance.pptx
@@ -194,7 +194,7 @@
           <a:p>
             <a:fld id="{D374BD28-B62A-4B4A-8C29-1CC5490DA60C}" type="datetimeFigureOut">
               <a:rPr lang="de-DE" smtClean="0"/>
-              <a:t>23.06.2015</a:t>
+              <a:t>25.06.2015</a:t>
             </a:fld>
             <a:endParaRPr lang="de-DE"/>
           </a:p>
@@ -643,7 +643,7 @@
           <a:p>
             <a:fld id="{00781EAF-5D38-4307-A880-116C3607676F}" type="datetime1">
               <a:rPr lang="de-DE" smtClean="0"/>
-              <a:t>23.06.2015</a:t>
+              <a:t>25.06.2015</a:t>
             </a:fld>
             <a:endParaRPr lang="de-DE"/>
           </a:p>
@@ -812,7 +812,7 @@
           <a:p>
             <a:fld id="{1644D97E-137F-4E35-8854-951126A2FD34}" type="datetime1">
               <a:rPr lang="de-DE" smtClean="0"/>
-              <a:t>23.06.2015</a:t>
+              <a:t>25.06.2015</a:t>
             </a:fld>
             <a:endParaRPr lang="de-DE"/>
           </a:p>
@@ -991,7 +991,7 @@
           <a:p>
             <a:fld id="{1CD1BA2D-A256-4537-9A28-EB7250D11B4D}" type="datetime1">
               <a:rPr lang="de-DE" smtClean="0"/>
-              <a:t>23.06.2015</a:t>
+              <a:t>25.06.2015</a:t>
             </a:fld>
             <a:endParaRPr lang="de-DE"/>
           </a:p>
@@ -1160,7 +1160,7 @@
           <a:p>
             <a:fld id="{9793C4F8-5022-4982-A1C7-60A909C93A6A}" type="datetime1">
               <a:rPr lang="de-DE" smtClean="0"/>
-              <a:t>23.06.2015</a:t>
+              <a:t>25.06.2015</a:t>
             </a:fld>
             <a:endParaRPr lang="de-DE"/>
           </a:p>
@@ -1405,7 +1405,7 @@
           <a:p>
             <a:fld id="{AFCF1B91-4B26-4443-8D5E-5C2C56F30BDC}" type="datetime1">
               <a:rPr lang="de-DE" smtClean="0"/>
-              <a:t>23.06.2015</a:t>
+              <a:t>25.06.2015</a:t>
             </a:fld>
             <a:endParaRPr lang="de-DE"/>
           </a:p>
@@ -1692,7 +1692,7 @@
           <a:p>
             <a:fld id="{D014C72B-3EC0-4082-842F-744569193D2C}" type="datetime1">
               <a:rPr lang="de-DE" smtClean="0"/>
-              <a:t>23.06.2015</a:t>
+              <a:t>25.06.2015</a:t>
             </a:fld>
             <a:endParaRPr lang="de-DE"/>
           </a:p>
@@ -2113,7 +2113,7 @@
           <a:p>
             <a:fld id="{BD22693E-1F5D-4B50-9EE3-550A3D2C1389}" type="datetime1">
               <a:rPr lang="de-DE" smtClean="0"/>
-              <a:t>23.06.2015</a:t>
+              <a:t>25.06.2015</a:t>
             </a:fld>
             <a:endParaRPr lang="de-DE"/>
           </a:p>
@@ -2230,7 +2230,7 @@
           <a:p>
             <a:fld id="{516356E6-FEEB-469C-8697-23A32CF94B86}" type="datetime1">
               <a:rPr lang="de-DE" smtClean="0"/>
-              <a:t>23.06.2015</a:t>
+              <a:t>25.06.2015</a:t>
             </a:fld>
             <a:endParaRPr lang="de-DE"/>
           </a:p>
@@ -2324,7 +2324,7 @@
           <a:p>
             <a:fld id="{5EFC906F-5234-4EBF-8CB2-56E8DDF4D3C1}" type="datetime1">
               <a:rPr lang="de-DE" smtClean="0"/>
-              <a:t>23.06.2015</a:t>
+              <a:t>25.06.2015</a:t>
             </a:fld>
             <a:endParaRPr lang="de-DE"/>
           </a:p>
@@ -2600,7 +2600,7 @@
           <a:p>
             <a:fld id="{031B132D-88A7-463D-82EA-397D1B6A6E70}" type="datetime1">
               <a:rPr lang="de-DE" smtClean="0"/>
-              <a:t>23.06.2015</a:t>
+              <a:t>25.06.2015</a:t>
             </a:fld>
             <a:endParaRPr lang="de-DE"/>
           </a:p>
@@ -2852,7 +2852,7 @@
           <a:p>
             <a:fld id="{8B0B5862-8595-4747-9E23-CDA439968017}" type="datetime1">
               <a:rPr lang="de-DE" smtClean="0"/>
-              <a:t>23.06.2015</a:t>
+              <a:t>25.06.2015</a:t>
             </a:fld>
             <a:endParaRPr lang="de-DE"/>
           </a:p>
@@ -3064,7 +3064,7 @@
           <a:p>
             <a:fld id="{7F50287E-193D-480B-B6E9-3208F1302D56}" type="datetime1">
               <a:rPr lang="de-DE" smtClean="0"/>
-              <a:t>23.06.2015</a:t>
+              <a:t>25.06.2015</a:t>
             </a:fld>
             <a:endParaRPr lang="de-DE"/>
           </a:p>
@@ -3786,14 +3786,14 @@
             <p:ph idx="1"/>
             <p:extLst>
               <p:ext uri="{D42A27DB-BD31-4B8C-83A1-F6EECF244321}">
-                <p14:modId xmlns:p14="http://schemas.microsoft.com/office/powerpoint/2010/main" val="1278916541"/>
+                <p14:modId xmlns:p14="http://schemas.microsoft.com/office/powerpoint/2010/main" val="2390360413"/>
               </p:ext>
             </p:extLst>
           </p:nvPr>
         </p:nvGraphicFramePr>
         <p:xfrm>
           <a:off x="457200" y="1600200"/>
-          <a:ext cx="8229600" cy="4079240"/>
+          <a:ext cx="8229600" cy="3708400"/>
         </p:xfrm>
         <a:graphic>
           <a:graphicData uri="http://schemas.openxmlformats.org/drawingml/2006/table">
@@ -3931,7 +3931,7 @@
                     <a:p>
                       <a:r>
                         <a:rPr lang="de-DE" dirty="0" smtClean="0"/>
-                        <a:t>5562</a:t>
+                        <a:t>5587</a:t>
                       </a:r>
                       <a:endParaRPr lang="de-DE" dirty="0"/>
                     </a:p>
@@ -3945,7 +3945,7 @@
                     <a:p>
                       <a:r>
                         <a:rPr lang="de-DE" dirty="0" smtClean="0"/>
-                        <a:t>3558</a:t>
+                        <a:t>3075</a:t>
                       </a:r>
                       <a:endParaRPr lang="de-DE" dirty="0"/>
                     </a:p>
@@ -3959,7 +3959,7 @@
                     <a:p>
                       <a:r>
                         <a:rPr lang="de-DE" dirty="0" smtClean="0"/>
-                        <a:t>422</a:t>
+                        <a:t>397</a:t>
                       </a:r>
                       <a:endParaRPr lang="de-DE" dirty="0"/>
                     </a:p>
@@ -3973,7 +3973,7 @@
                     <a:p>
                       <a:r>
                         <a:rPr lang="de-DE" dirty="0" smtClean="0"/>
-                        <a:t>2215</a:t>
+                        <a:t>2262</a:t>
                       </a:r>
                       <a:endParaRPr lang="de-DE" dirty="0"/>
                     </a:p>
@@ -4017,7 +4017,7 @@
                     <a:p>
                       <a:r>
                         <a:rPr lang="de-DE" dirty="0" smtClean="0"/>
-                        <a:t>3791</a:t>
+                        <a:t>3872</a:t>
                       </a:r>
                       <a:endParaRPr lang="de-DE" dirty="0"/>
                     </a:p>
@@ -4031,7 +4031,7 @@
                     <a:p>
                       <a:r>
                         <a:rPr lang="de-DE" dirty="0" smtClean="0"/>
-                        <a:t>5698</a:t>
+                        <a:t>5618</a:t>
                       </a:r>
                       <a:endParaRPr lang="de-DE" dirty="0"/>
                     </a:p>
@@ -4045,7 +4045,7 @@
                     <a:p>
                       <a:r>
                         <a:rPr lang="de-DE" dirty="0" smtClean="0"/>
-                        <a:t>425</a:t>
+                        <a:t>466</a:t>
                       </a:r>
                       <a:endParaRPr lang="de-DE" dirty="0"/>
                     </a:p>
@@ -4059,7 +4059,7 @@
                     <a:p>
                       <a:r>
                         <a:rPr lang="de-DE" dirty="0" smtClean="0"/>
-                        <a:t>-1694</a:t>
+                        <a:t>-1513</a:t>
                       </a:r>
                       <a:endParaRPr lang="de-DE" dirty="0"/>
                     </a:p>
@@ -4103,7 +4103,7 @@
                     <a:p>
                       <a:r>
                         <a:rPr lang="de-DE" dirty="0" smtClean="0"/>
-                        <a:t>3951</a:t>
+                        <a:t>3987</a:t>
                       </a:r>
                       <a:endParaRPr lang="de-DE" dirty="0"/>
                     </a:p>
@@ -4117,7 +4117,7 @@
                     <a:p>
                       <a:r>
                         <a:rPr lang="de-DE" dirty="0" smtClean="0"/>
-                        <a:t>5092</a:t>
+                        <a:t>5105</a:t>
                       </a:r>
                       <a:endParaRPr lang="de-DE" dirty="0"/>
                     </a:p>
@@ -4131,7 +4131,7 @@
                     <a:p>
                       <a:r>
                         <a:rPr lang="de-DE" dirty="0" smtClean="0"/>
-                        <a:t>438</a:t>
+                        <a:t>468</a:t>
                       </a:r>
                       <a:endParaRPr lang="de-DE" dirty="0"/>
                     </a:p>
@@ -4145,7 +4145,7 @@
                     <a:p>
                       <a:r>
                         <a:rPr lang="de-DE" dirty="0" smtClean="0"/>
-                        <a:t>-922</a:t>
+                        <a:t>-884</a:t>
                       </a:r>
                       <a:endParaRPr lang="de-DE" dirty="0"/>
                     </a:p>
@@ -4189,7 +4189,7 @@
                     <a:p>
                       <a:r>
                         <a:rPr lang="de-DE" dirty="0" smtClean="0"/>
-                        <a:t>3096</a:t>
+                        <a:t>3115</a:t>
                       </a:r>
                       <a:endParaRPr lang="de-DE" dirty="0"/>
                     </a:p>
@@ -4203,7 +4203,7 @@
                     <a:p>
                       <a:r>
                         <a:rPr lang="de-DE" dirty="0" smtClean="0"/>
-                        <a:t>6850</a:t>
+                        <a:t>6811</a:t>
                       </a:r>
                       <a:endParaRPr lang="de-DE" dirty="0"/>
                     </a:p>
@@ -4217,7 +4217,7 @@
                     <a:p>
                       <a:r>
                         <a:rPr lang="de-DE" dirty="0" smtClean="0"/>
-                        <a:t>435</a:t>
+                        <a:t>463</a:t>
                       </a:r>
                       <a:endParaRPr lang="de-DE" dirty="0"/>
                     </a:p>
@@ -4231,7 +4231,7 @@
                     <a:p>
                       <a:r>
                         <a:rPr lang="de-DE" dirty="0" smtClean="0"/>
-                        <a:t>-4631</a:t>
+                        <a:t>-4619</a:t>
                       </a:r>
                       <a:endParaRPr lang="de-DE" dirty="0"/>
                     </a:p>
@@ -4247,7 +4247,7 @@
                     <a:p>
                       <a:r>
                         <a:rPr lang="de-DE" dirty="0" err="1" smtClean="0"/>
-                        <a:t>BasicStrategyStandSoftAgent</a:t>
+                        <a:t>BasicStrategyAgent</a:t>
                       </a:r>
                       <a:endParaRPr lang="de-DE" dirty="0"/>
                     </a:p>
@@ -4261,7 +4261,7 @@
                     <a:p>
                       <a:r>
                         <a:rPr lang="de-DE" dirty="0" smtClean="0"/>
-                        <a:t>Simple</a:t>
+                        <a:t>Model</a:t>
                       </a:r>
                       <a:endParaRPr lang="de-DE" dirty="0"/>
                     </a:p>
@@ -4275,7 +4275,7 @@
                     <a:p>
                       <a:r>
                         <a:rPr lang="de-DE" dirty="0" smtClean="0"/>
-                        <a:t>3770</a:t>
+                        <a:t>4711</a:t>
                       </a:r>
                       <a:endParaRPr lang="de-DE" dirty="0"/>
                     </a:p>
@@ -4289,7 +4289,7 @@
                     <a:p>
                       <a:r>
                         <a:rPr lang="de-DE" dirty="0" smtClean="0"/>
-                        <a:t>5698</a:t>
+                        <a:t>4746</a:t>
                       </a:r>
                       <a:endParaRPr lang="de-DE" dirty="0"/>
                     </a:p>
@@ -4303,7 +4303,7 @@
                     <a:p>
                       <a:r>
                         <a:rPr lang="de-DE" dirty="0" smtClean="0"/>
-                        <a:t>425</a:t>
+                        <a:t>489</a:t>
                       </a:r>
                       <a:endParaRPr lang="de-DE" dirty="0"/>
                     </a:p>
@@ -4317,7 +4317,7 @@
                     <a:p>
                       <a:r>
                         <a:rPr lang="de-DE" dirty="0" smtClean="0"/>
-                        <a:t>-1837</a:t>
+                        <a:t>-527</a:t>
                       </a:r>
                       <a:endParaRPr lang="de-DE" dirty="0"/>
                     </a:p>
@@ -4333,7 +4333,7 @@
                     <a:p>
                       <a:r>
                         <a:rPr lang="de-DE" dirty="0" err="1" smtClean="0"/>
-                        <a:t>BasicStrategyStandHardAgent</a:t>
+                        <a:t>HighLowAgent</a:t>
                       </a:r>
                       <a:endParaRPr lang="de-DE" dirty="0"/>
                     </a:p>
@@ -4347,7 +4347,7 @@
                     <a:p>
                       <a:r>
                         <a:rPr lang="de-DE" dirty="0" smtClean="0"/>
-                        <a:t>Simple</a:t>
+                        <a:t>Model</a:t>
                       </a:r>
                       <a:endParaRPr lang="de-DE" dirty="0"/>
                     </a:p>
@@ -4361,7 +4361,7 @@
                     <a:p>
                       <a:r>
                         <a:rPr lang="de-DE" dirty="0" smtClean="0"/>
-                        <a:t>4470</a:t>
+                        <a:t>4091</a:t>
                       </a:r>
                       <a:endParaRPr lang="de-DE" dirty="0"/>
                     </a:p>
@@ -4375,7 +4375,7 @@
                     <a:p>
                       <a:r>
                         <a:rPr lang="de-DE" dirty="0" smtClean="0"/>
-                        <a:t>4746</a:t>
+                        <a:t>5328</a:t>
                       </a:r>
                       <a:endParaRPr lang="de-DE" dirty="0"/>
                     </a:p>
@@ -4389,7 +4389,7 @@
                     <a:p>
                       <a:r>
                         <a:rPr lang="de-DE" dirty="0" smtClean="0"/>
-                        <a:t>429</a:t>
+                        <a:t>434</a:t>
                       </a:r>
                       <a:endParaRPr lang="de-DE" dirty="0"/>
                     </a:p>
@@ -4403,7 +4403,7 @@
                     <a:p>
                       <a:r>
                         <a:rPr lang="de-DE" dirty="0" smtClean="0"/>
-                        <a:t>-733</a:t>
+                        <a:t>-6740</a:t>
                       </a:r>
                       <a:endParaRPr lang="de-DE" dirty="0"/>
                     </a:p>
@@ -4419,7 +4419,7 @@
                     <a:p>
                       <a:r>
                         <a:rPr lang="de-DE" dirty="0" err="1" smtClean="0"/>
-                        <a:t>HighLowAgent</a:t>
+                        <a:t>PredicateAgent</a:t>
                       </a:r>
                       <a:endParaRPr lang="de-DE" dirty="0"/>
                     </a:p>
@@ -4447,7 +4447,7 @@
                     <a:p>
                       <a:r>
                         <a:rPr lang="de-DE" dirty="0" smtClean="0"/>
-                        <a:t>3752</a:t>
+                        <a:t>4517</a:t>
                       </a:r>
                       <a:endParaRPr lang="de-DE" dirty="0"/>
                     </a:p>
@@ -4461,7 +4461,7 @@
                     <a:p>
                       <a:r>
                         <a:rPr lang="de-DE" dirty="0" smtClean="0"/>
-                        <a:t>5527</a:t>
+                        <a:t>5411</a:t>
                       </a:r>
                       <a:endParaRPr lang="de-DE" dirty="0"/>
                     </a:p>
@@ -4475,7 +4475,7 @@
                     <a:p>
                       <a:r>
                         <a:rPr lang="de-DE" dirty="0" smtClean="0"/>
-                        <a:t>461</a:t>
+                        <a:t>433</a:t>
                       </a:r>
                       <a:endParaRPr lang="de-DE" dirty="0"/>
                     </a:p>
@@ -4489,7 +4489,7 @@
                     <a:p>
                       <a:r>
                         <a:rPr lang="de-DE" dirty="0" smtClean="0"/>
-                        <a:t>-17482</a:t>
+                        <a:t>-1321</a:t>
                       </a:r>
                       <a:endParaRPr lang="de-DE" dirty="0"/>
                     </a:p>
@@ -4505,7 +4505,7 @@
                     <a:p>
                       <a:r>
                         <a:rPr lang="de-DE" dirty="0" err="1" smtClean="0"/>
-                        <a:t>PredicateAgent</a:t>
+                        <a:t>SaveAgent</a:t>
                       </a:r>
                       <a:endParaRPr lang="de-DE" dirty="0"/>
                     </a:p>
@@ -4519,7 +4519,7 @@
                     <a:p>
                       <a:r>
                         <a:rPr lang="de-DE" dirty="0" smtClean="0"/>
-                        <a:t>Model</a:t>
+                        <a:t>Goal</a:t>
                       </a:r>
                       <a:endParaRPr lang="de-DE" dirty="0"/>
                     </a:p>
@@ -4533,7 +4533,7 @@
                     <a:p>
                       <a:r>
                         <a:rPr lang="de-DE" dirty="0" smtClean="0"/>
-                        <a:t>4564</a:t>
+                        <a:t>4192</a:t>
                       </a:r>
                       <a:endParaRPr lang="de-DE" dirty="0"/>
                     </a:p>
@@ -4547,7 +4547,7 @@
                     <a:p>
                       <a:r>
                         <a:rPr lang="de-DE" dirty="0" smtClean="0"/>
-                        <a:t>5396</a:t>
+                        <a:t>5198</a:t>
                       </a:r>
                       <a:endParaRPr lang="de-DE" dirty="0"/>
                     </a:p>
@@ -4561,21 +4561,21 @@
                     <a:p>
                       <a:r>
                         <a:rPr lang="de-DE" dirty="0" smtClean="0"/>
-                        <a:t>479</a:t>
-                      </a:r>
-                      <a:endParaRPr lang="de-DE" dirty="0"/>
-                    </a:p>
-                  </a:txBody>
-                  <a:tcPr/>
-                </a:tc>
-                <a:tc>
-                  <a:txBody>
-                    <a:bodyPr/>
-                    <a:lstStyle/>
-                    <a:p>
-                      <a:r>
-                        <a:rPr lang="de-DE" dirty="0" smtClean="0"/>
-                        <a:t>-1283</a:t>
+                        <a:t>458</a:t>
+                      </a:r>
+                      <a:endParaRPr lang="de-DE" dirty="0"/>
+                    </a:p>
+                  </a:txBody>
+                  <a:tcPr/>
+                </a:tc>
+                <a:tc>
+                  <a:txBody>
+                    <a:bodyPr/>
+                    <a:lstStyle/>
+                    <a:p>
+                      <a:r>
+                        <a:rPr lang="de-DE" smtClean="0"/>
+                        <a:t>-777</a:t>
                       </a:r>
                       <a:endParaRPr lang="de-DE" dirty="0"/>
                     </a:p>
@@ -4591,92 +4591,6 @@
                     <a:p>
                       <a:r>
                         <a:rPr lang="de-DE" dirty="0" err="1" smtClean="0"/>
-                        <a:t>SaveAgent</a:t>
-                      </a:r>
-                      <a:endParaRPr lang="de-DE" dirty="0"/>
-                    </a:p>
-                  </a:txBody>
-                  <a:tcPr/>
-                </a:tc>
-                <a:tc>
-                  <a:txBody>
-                    <a:bodyPr/>
-                    <a:lstStyle/>
-                    <a:p>
-                      <a:r>
-                        <a:rPr lang="de-DE" dirty="0" smtClean="0"/>
-                        <a:t>Goal</a:t>
-                      </a:r>
-                      <a:endParaRPr lang="de-DE" dirty="0"/>
-                    </a:p>
-                  </a:txBody>
-                  <a:tcPr/>
-                </a:tc>
-                <a:tc>
-                  <a:txBody>
-                    <a:bodyPr/>
-                    <a:lstStyle/>
-                    <a:p>
-                      <a:r>
-                        <a:rPr lang="de-DE" dirty="0" smtClean="0"/>
-                        <a:t>4091</a:t>
-                      </a:r>
-                      <a:endParaRPr lang="de-DE" dirty="0"/>
-                    </a:p>
-                  </a:txBody>
-                  <a:tcPr/>
-                </a:tc>
-                <a:tc>
-                  <a:txBody>
-                    <a:bodyPr/>
-                    <a:lstStyle/>
-                    <a:p>
-                      <a:r>
-                        <a:rPr lang="de-DE" dirty="0" smtClean="0"/>
-                        <a:t>5294</a:t>
-                      </a:r>
-                      <a:endParaRPr lang="de-DE" dirty="0"/>
-                    </a:p>
-                  </a:txBody>
-                  <a:tcPr/>
-                </a:tc>
-                <a:tc>
-                  <a:txBody>
-                    <a:bodyPr/>
-                    <a:lstStyle/>
-                    <a:p>
-                      <a:r>
-                        <a:rPr lang="de-DE" dirty="0" smtClean="0"/>
-                        <a:t>442</a:t>
-                      </a:r>
-                      <a:endParaRPr lang="de-DE" dirty="0"/>
-                    </a:p>
-                  </a:txBody>
-                  <a:tcPr/>
-                </a:tc>
-                <a:tc>
-                  <a:txBody>
-                    <a:bodyPr/>
-                    <a:lstStyle/>
-                    <a:p>
-                      <a:r>
-                        <a:rPr lang="de-DE" dirty="0" smtClean="0"/>
-                        <a:t>-982</a:t>
-                      </a:r>
-                      <a:endParaRPr lang="de-DE" dirty="0"/>
-                    </a:p>
-                  </a:txBody>
-                  <a:tcPr/>
-                </a:tc>
-              </a:tr>
-              <a:tr h="370840">
-                <a:tc>
-                  <a:txBody>
-                    <a:bodyPr/>
-                    <a:lstStyle/>
-                    <a:p>
-                      <a:r>
-                        <a:rPr lang="de-DE" dirty="0" err="1" smtClean="0"/>
                         <a:t>LearningAgent</a:t>
                       </a:r>
                       <a:endParaRPr lang="de-DE" dirty="0"/>
@@ -4705,7 +4619,7 @@
                     <a:p>
                       <a:r>
                         <a:rPr lang="de-DE" dirty="0" smtClean="0"/>
-                        <a:t>3663</a:t>
+                        <a:t>3857</a:t>
                       </a:r>
                       <a:endParaRPr lang="de-DE" dirty="0"/>
                     </a:p>
@@ -4719,7 +4633,7 @@
                     <a:p>
                       <a:r>
                         <a:rPr lang="de-DE" dirty="0" smtClean="0"/>
-                        <a:t>5631</a:t>
+                        <a:t>5636</a:t>
                       </a:r>
                       <a:endParaRPr lang="de-DE" dirty="0"/>
                     </a:p>
@@ -4733,7 +4647,7 @@
                     <a:p>
                       <a:r>
                         <a:rPr lang="de-DE" dirty="0" smtClean="0"/>
-                        <a:t>447</a:t>
+                        <a:t>426</a:t>
                       </a:r>
                       <a:endParaRPr lang="de-DE" dirty="0"/>
                     </a:p>
@@ -4747,7 +4661,7 @@
                     <a:p>
                       <a:r>
                         <a:rPr lang="de-DE" dirty="0" smtClean="0"/>
-                        <a:t>-2121</a:t>
+                        <a:t>-1573</a:t>
                       </a:r>
                       <a:endParaRPr lang="de-DE" dirty="0"/>
                     </a:p>
@@ -4888,11 +4802,7 @@
           <a:p>
             <a:r>
               <a:rPr lang="de-DE" dirty="0" smtClean="0"/>
-              <a:t>10000 </a:t>
-            </a:r>
-            <a:r>
-              <a:rPr lang="de-DE" dirty="0" smtClean="0"/>
-              <a:t>Games </a:t>
+              <a:t>10000 Games </a:t>
             </a:r>
             <a:r>
               <a:rPr lang="de-DE" dirty="0" err="1" smtClean="0"/>

--- a/non-src/Presentation/relevance.pptx
+++ b/non-src/Presentation/relevance.pptx
@@ -194,7 +194,7 @@
           <a:p>
             <a:fld id="{D374BD28-B62A-4B4A-8C29-1CC5490DA60C}" type="datetimeFigureOut">
               <a:rPr lang="de-DE" smtClean="0"/>
-              <a:t>25.06.2015</a:t>
+              <a:t>29.06.2015</a:t>
             </a:fld>
             <a:endParaRPr lang="de-DE"/>
           </a:p>
@@ -462,6 +462,929 @@
 </p:notesMaster>
 </file>
 
+<file path=ppt/notesSlides/notesSlide1.xml><?xml version="1.0" encoding="utf-8"?>
+<p:notes xmlns:a="http://schemas.openxmlformats.org/drawingml/2006/main" xmlns:r="http://schemas.openxmlformats.org/officeDocument/2006/relationships" xmlns:p="http://schemas.openxmlformats.org/presentationml/2006/main">
+  <p:cSld>
+    <p:spTree>
+      <p:nvGrpSpPr>
+        <p:cNvPr id="1" name=""/>
+        <p:cNvGrpSpPr/>
+        <p:nvPr/>
+      </p:nvGrpSpPr>
+      <p:grpSpPr>
+        <a:xfrm>
+          <a:off x="0" y="0"/>
+          <a:ext cx="0" cy="0"/>
+          <a:chOff x="0" y="0"/>
+          <a:chExt cx="0" cy="0"/>
+        </a:xfrm>
+      </p:grpSpPr>
+      <p:sp>
+        <p:nvSpPr>
+          <p:cNvPr id="2" name="Folienbildplatzhalter 1"/>
+          <p:cNvSpPr>
+            <a:spLocks noGrp="1" noRot="1" noChangeAspect="1"/>
+          </p:cNvSpPr>
+          <p:nvPr>
+            <p:ph type="sldImg"/>
+          </p:nvPr>
+        </p:nvSpPr>
+        <p:spPr/>
+      </p:sp>
+      <p:sp>
+        <p:nvSpPr>
+          <p:cNvPr id="3" name="Notizenplatzhalter 2"/>
+          <p:cNvSpPr>
+            <a:spLocks noGrp="1"/>
+          </p:cNvSpPr>
+          <p:nvPr>
+            <p:ph type="body" idx="1"/>
+          </p:nvPr>
+        </p:nvSpPr>
+        <p:spPr/>
+        <p:txBody>
+          <a:bodyPr/>
+          <a:lstStyle/>
+          <a:p>
+            <a:r>
+              <a:rPr lang="de-DE" dirty="0" err="1" smtClean="0"/>
+              <a:t>WallHackAgemt</a:t>
+            </a:r>
+            <a:r>
+              <a:rPr lang="de-DE" dirty="0" smtClean="0"/>
+              <a:t>: </a:t>
+            </a:r>
+            <a:r>
+              <a:rPr lang="de-DE" dirty="0" err="1" smtClean="0"/>
+              <a:t>Knows</a:t>
+            </a:r>
+            <a:r>
+              <a:rPr lang="de-DE" dirty="0" smtClean="0"/>
+              <a:t> </a:t>
+            </a:r>
+            <a:r>
+              <a:rPr lang="de-DE" dirty="0" err="1" smtClean="0"/>
+              <a:t>the</a:t>
+            </a:r>
+            <a:r>
+              <a:rPr lang="de-DE" dirty="0" smtClean="0"/>
+              <a:t> </a:t>
+            </a:r>
+            <a:r>
+              <a:rPr lang="de-DE" dirty="0" err="1" smtClean="0"/>
+              <a:t>next</a:t>
+            </a:r>
+            <a:r>
+              <a:rPr lang="de-DE" dirty="0" smtClean="0"/>
+              <a:t> </a:t>
+            </a:r>
+            <a:r>
+              <a:rPr lang="de-DE" dirty="0" err="1" smtClean="0"/>
+              <a:t>card</a:t>
+            </a:r>
+            <a:r>
+              <a:rPr lang="de-DE" dirty="0" smtClean="0"/>
+              <a:t> </a:t>
+            </a:r>
+            <a:r>
+              <a:rPr lang="de-DE" dirty="0" err="1" smtClean="0"/>
+              <a:t>to</a:t>
+            </a:r>
+            <a:r>
+              <a:rPr lang="de-DE" dirty="0" smtClean="0"/>
+              <a:t> </a:t>
+            </a:r>
+            <a:r>
+              <a:rPr lang="de-DE" dirty="0" err="1" smtClean="0"/>
+              <a:t>be</a:t>
+            </a:r>
+            <a:r>
+              <a:rPr lang="de-DE" dirty="0" smtClean="0"/>
+              <a:t> </a:t>
+            </a:r>
+            <a:r>
+              <a:rPr lang="de-DE" dirty="0" err="1" smtClean="0"/>
+              <a:t>drawn</a:t>
+            </a:r>
+            <a:r>
+              <a:rPr lang="de-DE" dirty="0" smtClean="0"/>
+              <a:t>,</a:t>
+            </a:r>
+            <a:r>
+              <a:rPr lang="de-DE" baseline="0" dirty="0" smtClean="0"/>
+              <a:t> </a:t>
+            </a:r>
+            <a:r>
+              <a:rPr lang="de-DE" baseline="0" dirty="0" err="1" smtClean="0"/>
+              <a:t>only</a:t>
+            </a:r>
+            <a:r>
+              <a:rPr lang="de-DE" baseline="0" dirty="0" smtClean="0"/>
+              <a:t> </a:t>
+            </a:r>
+            <a:r>
+              <a:rPr lang="de-DE" baseline="0" dirty="0" err="1" smtClean="0"/>
+              <a:t>draws</a:t>
+            </a:r>
+            <a:r>
+              <a:rPr lang="de-DE" baseline="0" dirty="0" smtClean="0"/>
+              <a:t> </a:t>
+            </a:r>
+            <a:r>
+              <a:rPr lang="de-DE" baseline="0" dirty="0" err="1" smtClean="0"/>
+              <a:t>if</a:t>
+            </a:r>
+            <a:r>
+              <a:rPr lang="de-DE" baseline="0" dirty="0" smtClean="0"/>
+              <a:t> </a:t>
+            </a:r>
+            <a:r>
+              <a:rPr lang="de-DE" baseline="0" dirty="0" err="1" smtClean="0"/>
+              <a:t>it</a:t>
+            </a:r>
+            <a:r>
+              <a:rPr lang="de-DE" baseline="0" dirty="0" smtClean="0"/>
+              <a:t> </a:t>
+            </a:r>
+            <a:r>
+              <a:rPr lang="de-DE" baseline="0" dirty="0" err="1" smtClean="0"/>
+              <a:t>isnt</a:t>
+            </a:r>
+            <a:r>
+              <a:rPr lang="de-DE" baseline="0" dirty="0" smtClean="0"/>
+              <a:t> </a:t>
+            </a:r>
+            <a:r>
+              <a:rPr lang="de-DE" baseline="0" smtClean="0"/>
+              <a:t>busted</a:t>
+            </a:r>
+            <a:endParaRPr lang="de-DE" dirty="0" smtClean="0"/>
+          </a:p>
+          <a:p>
+            <a:r>
+              <a:rPr lang="de-DE" dirty="0" err="1" smtClean="0"/>
+              <a:t>AlwaysStandAgent</a:t>
+            </a:r>
+            <a:r>
+              <a:rPr lang="de-DE" dirty="0" smtClean="0"/>
+              <a:t>:</a:t>
+            </a:r>
+            <a:r>
+              <a:rPr lang="de-DE" baseline="0" dirty="0" smtClean="0"/>
+              <a:t> just </a:t>
+            </a:r>
+            <a:r>
+              <a:rPr lang="de-DE" baseline="0" dirty="0" err="1" smtClean="0"/>
+              <a:t>stands</a:t>
+            </a:r>
+            <a:r>
+              <a:rPr lang="de-DE" baseline="0" dirty="0" smtClean="0"/>
+              <a:t>, </a:t>
+            </a:r>
+            <a:r>
+              <a:rPr lang="de-DE" baseline="0" dirty="0" err="1" smtClean="0"/>
+              <a:t>has</a:t>
+            </a:r>
+            <a:r>
+              <a:rPr lang="de-DE" baseline="0" dirty="0" smtClean="0"/>
+              <a:t> </a:t>
+            </a:r>
+            <a:r>
+              <a:rPr lang="de-DE" baseline="0" dirty="0" err="1" smtClean="0"/>
+              <a:t>only</a:t>
+            </a:r>
+            <a:r>
+              <a:rPr lang="de-DE" baseline="0" dirty="0" smtClean="0"/>
+              <a:t> </a:t>
+            </a:r>
+            <a:r>
+              <a:rPr lang="de-DE" baseline="0" dirty="0" err="1" smtClean="0"/>
+              <a:t>one</a:t>
+            </a:r>
+            <a:r>
+              <a:rPr lang="de-DE" baseline="0" dirty="0" smtClean="0"/>
+              <a:t> </a:t>
+            </a:r>
+            <a:r>
+              <a:rPr lang="de-DE" baseline="0" dirty="0" err="1" smtClean="0"/>
+              <a:t>move</a:t>
+            </a:r>
+            <a:endParaRPr lang="de-DE" baseline="0" dirty="0" smtClean="0"/>
+          </a:p>
+          <a:p>
+            <a:pPr marL="0" marR="0" indent="0" algn="l" defTabSz="914400" rtl="0" eaLnBrk="1" fontAlgn="auto" latinLnBrk="0" hangingPunct="1">
+              <a:lnSpc>
+                <a:spcPct val="100000"/>
+              </a:lnSpc>
+              <a:spcBef>
+                <a:spcPts val="0"/>
+              </a:spcBef>
+              <a:spcAft>
+                <a:spcPts val="0"/>
+              </a:spcAft>
+              <a:buClrTx/>
+              <a:buSzTx/>
+              <a:buFontTx/>
+              <a:buNone/>
+              <a:tabLst/>
+              <a:defRPr/>
+            </a:pPr>
+            <a:r>
+              <a:rPr lang="de-DE" baseline="0" dirty="0" err="1" smtClean="0"/>
+              <a:t>HitUntilAgent</a:t>
+            </a:r>
+            <a:r>
+              <a:rPr lang="de-DE" baseline="0" dirty="0" smtClean="0"/>
+              <a:t>: </a:t>
+            </a:r>
+            <a:r>
+              <a:rPr lang="de-DE" baseline="0" dirty="0" err="1" smtClean="0"/>
+              <a:t>draws</a:t>
+            </a:r>
+            <a:r>
+              <a:rPr lang="de-DE" baseline="0" dirty="0" smtClean="0"/>
+              <a:t> </a:t>
+            </a:r>
+            <a:r>
+              <a:rPr lang="de-DE" baseline="0" dirty="0" err="1" smtClean="0"/>
+              <a:t>cards</a:t>
+            </a:r>
+            <a:r>
+              <a:rPr lang="de-DE" baseline="0" dirty="0" smtClean="0"/>
+              <a:t> </a:t>
+            </a:r>
+            <a:r>
+              <a:rPr lang="de-DE" baseline="0" dirty="0" err="1" smtClean="0"/>
+              <a:t>until</a:t>
+            </a:r>
+            <a:r>
+              <a:rPr lang="de-DE" baseline="0" dirty="0" smtClean="0"/>
+              <a:t> </a:t>
+            </a:r>
+            <a:r>
+              <a:rPr lang="de-DE" baseline="0" dirty="0" err="1" smtClean="0"/>
+              <a:t>value</a:t>
+            </a:r>
+            <a:r>
+              <a:rPr lang="de-DE" baseline="0" dirty="0" smtClean="0"/>
+              <a:t> </a:t>
+            </a:r>
+            <a:r>
+              <a:rPr lang="de-DE" baseline="0" dirty="0" err="1" smtClean="0"/>
+              <a:t>of</a:t>
+            </a:r>
+            <a:r>
+              <a:rPr lang="de-DE" baseline="0" dirty="0" smtClean="0"/>
+              <a:t> </a:t>
+            </a:r>
+            <a:r>
+              <a:rPr lang="de-DE" baseline="0" dirty="0" err="1" smtClean="0"/>
+              <a:t>hand</a:t>
+            </a:r>
+            <a:r>
+              <a:rPr lang="de-DE" baseline="0" dirty="0" smtClean="0"/>
+              <a:t> </a:t>
+            </a:r>
+            <a:r>
+              <a:rPr lang="de-DE" baseline="0" dirty="0" err="1" smtClean="0"/>
+              <a:t>reaches</a:t>
+            </a:r>
+            <a:r>
+              <a:rPr lang="de-DE" baseline="0" dirty="0" smtClean="0"/>
+              <a:t> an </a:t>
+            </a:r>
+            <a:r>
+              <a:rPr lang="de-DE" baseline="0" dirty="0" err="1" smtClean="0"/>
+              <a:t>upper</a:t>
+            </a:r>
+            <a:r>
+              <a:rPr lang="de-DE" baseline="0" dirty="0" smtClean="0"/>
+              <a:t> </a:t>
+            </a:r>
+            <a:r>
+              <a:rPr lang="de-DE" baseline="0" dirty="0" err="1" smtClean="0"/>
+              <a:t>bound</a:t>
+            </a:r>
+            <a:endParaRPr lang="de-DE" dirty="0" smtClean="0"/>
+          </a:p>
+          <a:p>
+            <a:r>
+              <a:rPr lang="de-DE" baseline="0" dirty="0" err="1" smtClean="0"/>
+              <a:t>ReflexAgent</a:t>
+            </a:r>
+            <a:r>
+              <a:rPr lang="de-DE" baseline="0" dirty="0" smtClean="0"/>
+              <a:t>: </a:t>
+            </a:r>
+            <a:r>
+              <a:rPr lang="de-DE" baseline="0" dirty="0" err="1" smtClean="0"/>
+              <a:t>does</a:t>
+            </a:r>
+            <a:r>
+              <a:rPr lang="de-DE" baseline="0" dirty="0" smtClean="0"/>
+              <a:t> a </a:t>
+            </a:r>
+            <a:r>
+              <a:rPr lang="de-DE" baseline="0" dirty="0" err="1" smtClean="0"/>
+              <a:t>random</a:t>
+            </a:r>
+            <a:r>
+              <a:rPr lang="de-DE" baseline="0" dirty="0" smtClean="0"/>
+              <a:t> </a:t>
+            </a:r>
+            <a:r>
+              <a:rPr lang="de-DE" baseline="0" dirty="0" err="1" smtClean="0"/>
+              <a:t>move</a:t>
+            </a:r>
+            <a:r>
+              <a:rPr lang="de-DE" baseline="0" dirty="0" smtClean="0"/>
+              <a:t> </a:t>
+            </a:r>
+            <a:r>
+              <a:rPr lang="de-DE" baseline="0" dirty="0" err="1" smtClean="0"/>
+              <a:t>if</a:t>
+            </a:r>
+            <a:r>
+              <a:rPr lang="de-DE" baseline="0" dirty="0" smtClean="0"/>
+              <a:t> ist </a:t>
+            </a:r>
+            <a:r>
+              <a:rPr lang="de-DE" baseline="0" dirty="0" err="1" smtClean="0"/>
+              <a:t>allowed</a:t>
+            </a:r>
+            <a:endParaRPr lang="de-DE" baseline="0" dirty="0" smtClean="0"/>
+          </a:p>
+          <a:p>
+            <a:r>
+              <a:rPr lang="de-DE" baseline="0" dirty="0" err="1" smtClean="0"/>
+              <a:t>BasicStrategyAgent</a:t>
+            </a:r>
+            <a:r>
+              <a:rPr lang="de-DE" baseline="0" dirty="0" smtClean="0"/>
+              <a:t>: 3 different </a:t>
+            </a:r>
+            <a:r>
+              <a:rPr lang="de-DE" baseline="0" dirty="0" err="1" smtClean="0"/>
+              <a:t>strategies</a:t>
+            </a:r>
+            <a:r>
+              <a:rPr lang="de-DE" baseline="0" dirty="0" smtClean="0"/>
+              <a:t>:</a:t>
+            </a:r>
+          </a:p>
+          <a:p>
+            <a:r>
+              <a:rPr lang="de-DE" baseline="0" dirty="0" smtClean="0"/>
+              <a:t>	-split: a </a:t>
+            </a:r>
+            <a:r>
+              <a:rPr lang="de-DE" baseline="0" dirty="0" err="1" smtClean="0"/>
+              <a:t>split</a:t>
+            </a:r>
+            <a:r>
+              <a:rPr lang="de-DE" baseline="0" dirty="0" smtClean="0"/>
+              <a:t> </a:t>
+            </a:r>
+            <a:r>
+              <a:rPr lang="de-DE" baseline="0" dirty="0" err="1" smtClean="0"/>
+              <a:t>strategy</a:t>
+            </a:r>
+            <a:endParaRPr lang="de-DE" baseline="0" dirty="0" smtClean="0"/>
+          </a:p>
+          <a:p>
+            <a:r>
+              <a:rPr lang="de-DE" baseline="0" dirty="0" smtClean="0"/>
+              <a:t>	-soft: a </a:t>
+            </a:r>
+            <a:r>
+              <a:rPr lang="de-DE" baseline="0" dirty="0" err="1" smtClean="0"/>
+              <a:t>strategy</a:t>
+            </a:r>
+            <a:r>
+              <a:rPr lang="de-DE" baseline="0" dirty="0" smtClean="0"/>
+              <a:t> </a:t>
+            </a:r>
+            <a:r>
+              <a:rPr lang="de-DE" baseline="0" dirty="0" err="1" smtClean="0"/>
+              <a:t>if</a:t>
+            </a:r>
+            <a:r>
+              <a:rPr lang="de-DE" baseline="0" dirty="0" smtClean="0"/>
+              <a:t> </a:t>
+            </a:r>
+            <a:r>
+              <a:rPr lang="de-DE" baseline="0" dirty="0" err="1" smtClean="0"/>
+              <a:t>player</a:t>
+            </a:r>
+            <a:r>
+              <a:rPr lang="de-DE" baseline="0" dirty="0" smtClean="0"/>
+              <a:t> </a:t>
+            </a:r>
+            <a:r>
+              <a:rPr lang="de-DE" baseline="0" dirty="0" err="1" smtClean="0"/>
+              <a:t>has</a:t>
+            </a:r>
+            <a:r>
+              <a:rPr lang="de-DE" baseline="0" dirty="0" smtClean="0"/>
+              <a:t> an </a:t>
+            </a:r>
+            <a:r>
+              <a:rPr lang="de-DE" baseline="0" dirty="0" err="1" smtClean="0"/>
+              <a:t>ace</a:t>
+            </a:r>
+            <a:endParaRPr lang="de-DE" baseline="0" dirty="0" smtClean="0"/>
+          </a:p>
+          <a:p>
+            <a:r>
+              <a:rPr lang="de-DE" baseline="0" dirty="0" smtClean="0"/>
+              <a:t>	-</a:t>
+            </a:r>
+            <a:r>
+              <a:rPr lang="de-DE" baseline="0" dirty="0" err="1" smtClean="0"/>
+              <a:t>hard</a:t>
+            </a:r>
+            <a:r>
+              <a:rPr lang="de-DE" baseline="0" dirty="0" smtClean="0"/>
+              <a:t>: a </a:t>
+            </a:r>
+            <a:r>
+              <a:rPr lang="de-DE" baseline="0" dirty="0" err="1" smtClean="0"/>
+              <a:t>strategy</a:t>
+            </a:r>
+            <a:r>
+              <a:rPr lang="de-DE" baseline="0" dirty="0" smtClean="0"/>
+              <a:t> </a:t>
+            </a:r>
+            <a:r>
+              <a:rPr lang="de-DE" baseline="0" dirty="0" err="1" smtClean="0"/>
+              <a:t>if</a:t>
+            </a:r>
+            <a:r>
+              <a:rPr lang="de-DE" baseline="0" dirty="0" smtClean="0"/>
+              <a:t> </a:t>
+            </a:r>
+            <a:r>
+              <a:rPr lang="de-DE" baseline="0" dirty="0" err="1" smtClean="0"/>
+              <a:t>player</a:t>
+            </a:r>
+            <a:r>
+              <a:rPr lang="de-DE" baseline="0" dirty="0" smtClean="0"/>
+              <a:t> </a:t>
+            </a:r>
+            <a:r>
+              <a:rPr lang="de-DE" baseline="0" dirty="0" err="1" smtClean="0"/>
+              <a:t>has</a:t>
+            </a:r>
+            <a:r>
+              <a:rPr lang="de-DE" baseline="0" dirty="0" smtClean="0"/>
+              <a:t> </a:t>
+            </a:r>
+            <a:r>
+              <a:rPr lang="de-DE" baseline="0" dirty="0" err="1" smtClean="0"/>
+              <a:t>no</a:t>
+            </a:r>
+            <a:r>
+              <a:rPr lang="de-DE" baseline="0" dirty="0" smtClean="0"/>
+              <a:t> </a:t>
+            </a:r>
+            <a:r>
+              <a:rPr lang="de-DE" baseline="0" dirty="0" err="1" smtClean="0"/>
+              <a:t>ace</a:t>
+            </a:r>
+            <a:endParaRPr lang="de-DE" baseline="0" dirty="0" smtClean="0"/>
+          </a:p>
+          <a:p>
+            <a:r>
+              <a:rPr lang="de-DE" baseline="0" dirty="0" err="1" smtClean="0"/>
+              <a:t>HighLowAgent</a:t>
+            </a:r>
+            <a:r>
+              <a:rPr lang="de-DE" baseline="0" dirty="0" smtClean="0"/>
+              <a:t>: </a:t>
+            </a:r>
+            <a:r>
+              <a:rPr lang="de-DE" baseline="0" dirty="0" err="1" smtClean="0"/>
+              <a:t>strategy</a:t>
+            </a:r>
+            <a:r>
+              <a:rPr lang="de-DE" baseline="0" dirty="0" smtClean="0"/>
+              <a:t> </a:t>
+            </a:r>
+            <a:r>
+              <a:rPr lang="de-DE" baseline="0" dirty="0" err="1" smtClean="0"/>
+              <a:t>is</a:t>
+            </a:r>
+            <a:r>
+              <a:rPr lang="de-DE" baseline="0" dirty="0" smtClean="0"/>
+              <a:t> high-</a:t>
+            </a:r>
+            <a:r>
+              <a:rPr lang="de-DE" baseline="0" dirty="0" err="1" smtClean="0"/>
+              <a:t>low</a:t>
+            </a:r>
+            <a:r>
+              <a:rPr lang="de-DE" baseline="0" dirty="0" smtClean="0"/>
+              <a:t> </a:t>
+            </a:r>
+            <a:r>
+              <a:rPr lang="de-DE" baseline="0" dirty="0" err="1" smtClean="0"/>
+              <a:t>card</a:t>
+            </a:r>
+            <a:r>
+              <a:rPr lang="de-DE" baseline="0" dirty="0" smtClean="0"/>
+              <a:t> </a:t>
+            </a:r>
+            <a:r>
+              <a:rPr lang="de-DE" baseline="0" dirty="0" err="1" smtClean="0"/>
+              <a:t>counting</a:t>
+            </a:r>
+            <a:endParaRPr lang="de-DE" baseline="0" dirty="0" smtClean="0"/>
+          </a:p>
+          <a:p>
+            <a:r>
+              <a:rPr lang="de-DE" baseline="0" dirty="0" err="1" smtClean="0"/>
+              <a:t>PredicateAgent</a:t>
+            </a:r>
+            <a:r>
+              <a:rPr lang="de-DE" baseline="0" dirty="0" smtClean="0"/>
+              <a:t>: </a:t>
+            </a:r>
+            <a:r>
+              <a:rPr lang="de-DE" baseline="0" dirty="0" err="1" smtClean="0"/>
+              <a:t>defined</a:t>
+            </a:r>
+            <a:r>
+              <a:rPr lang="de-DE" baseline="0" dirty="0" smtClean="0"/>
+              <a:t> </a:t>
+            </a:r>
+            <a:r>
+              <a:rPr lang="de-DE" baseline="0" dirty="0" err="1" smtClean="0"/>
+              <a:t>some</a:t>
+            </a:r>
+            <a:r>
+              <a:rPr lang="de-DE" baseline="0" dirty="0" smtClean="0"/>
+              <a:t> </a:t>
+            </a:r>
+            <a:r>
+              <a:rPr lang="de-DE" baseline="0" dirty="0" err="1" smtClean="0"/>
+              <a:t>java-Predicates</a:t>
+            </a:r>
+            <a:r>
+              <a:rPr lang="de-DE" baseline="0" dirty="0" smtClean="0"/>
+              <a:t>, </a:t>
+            </a:r>
+            <a:r>
+              <a:rPr lang="de-DE" baseline="0" dirty="0" err="1" smtClean="0"/>
+              <a:t>implements</a:t>
+            </a:r>
+            <a:r>
+              <a:rPr lang="de-DE" baseline="0" dirty="0" smtClean="0"/>
+              <a:t> a </a:t>
+            </a:r>
+            <a:r>
+              <a:rPr lang="de-DE" baseline="0" dirty="0" err="1" smtClean="0"/>
+              <a:t>mixture</a:t>
+            </a:r>
+            <a:r>
+              <a:rPr lang="de-DE" baseline="0" dirty="0" smtClean="0"/>
+              <a:t> </a:t>
+            </a:r>
+            <a:r>
+              <a:rPr lang="de-DE" baseline="0" dirty="0" err="1" smtClean="0"/>
+              <a:t>of</a:t>
+            </a:r>
+            <a:r>
+              <a:rPr lang="de-DE" baseline="0" dirty="0" smtClean="0"/>
+              <a:t> soft </a:t>
+            </a:r>
+            <a:r>
+              <a:rPr lang="de-DE" baseline="0" dirty="0" err="1" smtClean="0"/>
+              <a:t>and</a:t>
+            </a:r>
+            <a:r>
+              <a:rPr lang="de-DE" baseline="0" dirty="0" smtClean="0"/>
+              <a:t> </a:t>
+            </a:r>
+            <a:r>
+              <a:rPr lang="de-DE" baseline="0" dirty="0" err="1" smtClean="0"/>
+              <a:t>hard</a:t>
+            </a:r>
+            <a:r>
+              <a:rPr lang="de-DE" baseline="0" dirty="0" smtClean="0"/>
+              <a:t> </a:t>
+            </a:r>
+            <a:r>
+              <a:rPr lang="de-DE" baseline="0" dirty="0" err="1" smtClean="0"/>
+              <a:t>strategy</a:t>
+            </a:r>
+            <a:endParaRPr lang="de-DE" baseline="0" dirty="0" smtClean="0"/>
+          </a:p>
+          <a:p>
+            <a:r>
+              <a:rPr lang="de-DE" baseline="0" dirty="0" err="1" smtClean="0"/>
+              <a:t>SaveAgent</a:t>
+            </a:r>
+            <a:r>
+              <a:rPr lang="de-DE" baseline="0" dirty="0" smtClean="0"/>
+              <a:t>: </a:t>
+            </a:r>
+            <a:r>
+              <a:rPr lang="de-DE" baseline="0" dirty="0" err="1" smtClean="0"/>
+              <a:t>can‘t</a:t>
+            </a:r>
+            <a:r>
+              <a:rPr lang="de-DE" baseline="0" dirty="0" smtClean="0"/>
+              <a:t> </a:t>
+            </a:r>
+            <a:r>
+              <a:rPr lang="de-DE" baseline="0" dirty="0" err="1" smtClean="0"/>
+              <a:t>be</a:t>
+            </a:r>
+            <a:r>
+              <a:rPr lang="de-DE" baseline="0" dirty="0" smtClean="0"/>
+              <a:t> </a:t>
+            </a:r>
+            <a:r>
+              <a:rPr lang="de-DE" baseline="0" dirty="0" err="1" smtClean="0"/>
+              <a:t>busted</a:t>
+            </a:r>
+            <a:r>
+              <a:rPr lang="de-DE" baseline="0" dirty="0" smtClean="0"/>
+              <a:t> </a:t>
+            </a:r>
+            <a:r>
+              <a:rPr lang="de-DE" baseline="0" dirty="0" err="1" smtClean="0"/>
+              <a:t>because</a:t>
+            </a:r>
+            <a:r>
+              <a:rPr lang="de-DE" baseline="0" dirty="0" smtClean="0"/>
+              <a:t> </a:t>
+            </a:r>
+            <a:r>
+              <a:rPr lang="de-DE" baseline="0" dirty="0" err="1" smtClean="0"/>
+              <a:t>drawing</a:t>
+            </a:r>
+            <a:r>
+              <a:rPr lang="de-DE" baseline="0" dirty="0" smtClean="0"/>
+              <a:t> </a:t>
+            </a:r>
+            <a:r>
+              <a:rPr lang="de-DE" baseline="0" dirty="0" err="1" smtClean="0"/>
+              <a:t>is</a:t>
+            </a:r>
+            <a:r>
+              <a:rPr lang="de-DE" baseline="0" dirty="0" smtClean="0"/>
+              <a:t> </a:t>
+            </a:r>
+            <a:r>
+              <a:rPr lang="de-DE" baseline="0" dirty="0" err="1" smtClean="0"/>
+              <a:t>only</a:t>
+            </a:r>
+            <a:r>
+              <a:rPr lang="de-DE" baseline="0" dirty="0" smtClean="0"/>
+              <a:t> </a:t>
+            </a:r>
+            <a:r>
+              <a:rPr lang="de-DE" baseline="0" dirty="0" err="1" smtClean="0"/>
+              <a:t>done</a:t>
+            </a:r>
+            <a:r>
+              <a:rPr lang="de-DE" baseline="0" dirty="0" smtClean="0"/>
+              <a:t> </a:t>
+            </a:r>
+            <a:r>
+              <a:rPr lang="de-DE" baseline="0" dirty="0" err="1" smtClean="0"/>
+              <a:t>if</a:t>
+            </a:r>
+            <a:r>
+              <a:rPr lang="de-DE" baseline="0" dirty="0" smtClean="0"/>
+              <a:t> </a:t>
+            </a:r>
+            <a:r>
+              <a:rPr lang="de-DE" baseline="0" dirty="0" err="1" smtClean="0"/>
+              <a:t>hands</a:t>
+            </a:r>
+            <a:r>
+              <a:rPr lang="de-DE" baseline="0" dirty="0" smtClean="0"/>
+              <a:t> </a:t>
+            </a:r>
+            <a:r>
+              <a:rPr lang="de-DE" baseline="0" dirty="0" err="1" smtClean="0"/>
+              <a:t>value</a:t>
+            </a:r>
+            <a:r>
+              <a:rPr lang="de-DE" baseline="0" dirty="0" smtClean="0"/>
+              <a:t> </a:t>
+            </a:r>
+            <a:r>
+              <a:rPr lang="de-DE" baseline="0" dirty="0" err="1" smtClean="0"/>
+              <a:t>is</a:t>
+            </a:r>
+            <a:r>
+              <a:rPr lang="de-DE" baseline="0" dirty="0" smtClean="0"/>
+              <a:t> </a:t>
+            </a:r>
+            <a:r>
+              <a:rPr lang="de-DE" baseline="0" dirty="0" err="1" smtClean="0"/>
+              <a:t>lower</a:t>
+            </a:r>
+            <a:r>
+              <a:rPr lang="de-DE" baseline="0" dirty="0" smtClean="0"/>
+              <a:t> </a:t>
+            </a:r>
+            <a:r>
+              <a:rPr lang="de-DE" baseline="0" dirty="0" err="1" smtClean="0"/>
+              <a:t>or</a:t>
+            </a:r>
+            <a:r>
+              <a:rPr lang="de-DE" baseline="0" dirty="0" smtClean="0"/>
+              <a:t> </a:t>
+            </a:r>
+            <a:r>
+              <a:rPr lang="de-DE" baseline="0" dirty="0" err="1" smtClean="0"/>
+              <a:t>equal</a:t>
+            </a:r>
+            <a:r>
+              <a:rPr lang="de-DE" baseline="0" dirty="0" smtClean="0"/>
+              <a:t> </a:t>
+            </a:r>
+            <a:r>
+              <a:rPr lang="de-DE" baseline="0" dirty="0" err="1" smtClean="0"/>
+              <a:t>to</a:t>
+            </a:r>
+            <a:r>
+              <a:rPr lang="de-DE" baseline="0" dirty="0" smtClean="0"/>
+              <a:t> 11</a:t>
+            </a:r>
+          </a:p>
+          <a:p>
+            <a:r>
+              <a:rPr lang="de-DE" baseline="0" dirty="0" err="1" smtClean="0"/>
+              <a:t>LearningAgent</a:t>
+            </a:r>
+            <a:r>
+              <a:rPr lang="de-DE" baseline="0" dirty="0" smtClean="0"/>
+              <a:t>: </a:t>
+            </a:r>
+            <a:r>
+              <a:rPr lang="de-DE" baseline="0" dirty="0" err="1" smtClean="0"/>
+              <a:t>saves</a:t>
+            </a:r>
+            <a:r>
+              <a:rPr lang="de-DE" baseline="0" dirty="0" smtClean="0"/>
+              <a:t> </a:t>
+            </a:r>
+            <a:r>
+              <a:rPr lang="de-DE" baseline="0" dirty="0" err="1" smtClean="0"/>
+              <a:t>hands</a:t>
+            </a:r>
+            <a:r>
+              <a:rPr lang="de-DE" baseline="0" dirty="0" smtClean="0"/>
+              <a:t> </a:t>
+            </a:r>
+            <a:r>
+              <a:rPr lang="de-DE" baseline="0" dirty="0" err="1" smtClean="0"/>
+              <a:t>for</a:t>
+            </a:r>
+            <a:r>
+              <a:rPr lang="de-DE" baseline="0" dirty="0" smtClean="0"/>
+              <a:t> </a:t>
+            </a:r>
+            <a:r>
+              <a:rPr lang="de-DE" baseline="0" dirty="0" err="1" smtClean="0"/>
+              <a:t>winning</a:t>
+            </a:r>
+            <a:r>
+              <a:rPr lang="de-DE" baseline="0" dirty="0" smtClean="0"/>
+              <a:t> </a:t>
+            </a:r>
+            <a:r>
+              <a:rPr lang="de-DE" baseline="0" dirty="0" err="1" smtClean="0"/>
+              <a:t>and</a:t>
+            </a:r>
+            <a:r>
+              <a:rPr lang="de-DE" baseline="0" dirty="0" smtClean="0"/>
+              <a:t> </a:t>
+            </a:r>
+            <a:r>
+              <a:rPr lang="de-DE" baseline="0" dirty="0" err="1" smtClean="0"/>
+              <a:t>losing</a:t>
+            </a:r>
+            <a:r>
+              <a:rPr lang="de-DE" baseline="0" dirty="0" smtClean="0"/>
+              <a:t> </a:t>
+            </a:r>
+            <a:r>
+              <a:rPr lang="de-DE" baseline="0" dirty="0" err="1" smtClean="0"/>
+              <a:t>and</a:t>
+            </a:r>
+            <a:r>
+              <a:rPr lang="de-DE" baseline="0" dirty="0" smtClean="0"/>
+              <a:t> </a:t>
+            </a:r>
+            <a:r>
+              <a:rPr lang="de-DE" baseline="0" dirty="0" err="1" smtClean="0"/>
+              <a:t>performs</a:t>
+            </a:r>
+            <a:r>
+              <a:rPr lang="de-DE" baseline="0" dirty="0" smtClean="0"/>
+              <a:t> </a:t>
+            </a:r>
+            <a:r>
+              <a:rPr lang="de-DE" baseline="0" dirty="0" err="1" smtClean="0"/>
+              <a:t>according</a:t>
+            </a:r>
+            <a:r>
+              <a:rPr lang="de-DE" baseline="0" dirty="0" smtClean="0"/>
+              <a:t> </a:t>
+            </a:r>
+            <a:r>
+              <a:rPr lang="de-DE" baseline="0" dirty="0" err="1" smtClean="0"/>
+              <a:t>to</a:t>
+            </a:r>
+            <a:r>
+              <a:rPr lang="de-DE" baseline="0" dirty="0" smtClean="0"/>
+              <a:t> </a:t>
+            </a:r>
+            <a:r>
+              <a:rPr lang="de-DE" baseline="0" dirty="0" err="1" smtClean="0"/>
+              <a:t>those</a:t>
+            </a:r>
+            <a:r>
+              <a:rPr lang="de-DE" baseline="0" dirty="0" smtClean="0"/>
+              <a:t> </a:t>
+            </a:r>
+            <a:r>
+              <a:rPr lang="de-DE" baseline="0" dirty="0" err="1" smtClean="0"/>
+              <a:t>hands</a:t>
+            </a:r>
+            <a:r>
+              <a:rPr lang="de-DE" baseline="0" dirty="0" smtClean="0"/>
+              <a:t> </a:t>
+            </a:r>
+            <a:r>
+              <a:rPr lang="de-DE" baseline="0" dirty="0" err="1" smtClean="0"/>
+              <a:t>and</a:t>
+            </a:r>
+            <a:r>
+              <a:rPr lang="de-DE" baseline="0" dirty="0" smtClean="0"/>
+              <a:t> </a:t>
+            </a:r>
+            <a:r>
+              <a:rPr lang="de-DE" baseline="0" dirty="0" err="1" smtClean="0"/>
+              <a:t>their</a:t>
+            </a:r>
+            <a:r>
+              <a:rPr lang="de-DE" baseline="0" dirty="0" smtClean="0"/>
+              <a:t> </a:t>
+            </a:r>
+            <a:r>
+              <a:rPr lang="de-DE" baseline="0" dirty="0" err="1" smtClean="0"/>
+              <a:t>values</a:t>
+            </a:r>
+            <a:endParaRPr lang="de-DE" baseline="0" dirty="0" smtClean="0"/>
+          </a:p>
+          <a:p>
+            <a:endParaRPr lang="de-DE" baseline="0" dirty="0" smtClean="0"/>
+          </a:p>
+        </p:txBody>
+      </p:sp>
+      <p:sp>
+        <p:nvSpPr>
+          <p:cNvPr id="4" name="Foliennummernplatzhalter 3"/>
+          <p:cNvSpPr>
+            <a:spLocks noGrp="1"/>
+          </p:cNvSpPr>
+          <p:nvPr>
+            <p:ph type="sldNum" sz="quarter" idx="10"/>
+          </p:nvPr>
+        </p:nvSpPr>
+        <p:spPr/>
+        <p:txBody>
+          <a:bodyPr/>
+          <a:lstStyle/>
+          <a:p>
+            <a:fld id="{666892B0-DCF0-4633-9F88-2CB912514798}" type="slidenum">
+              <a:rPr lang="de-DE" smtClean="0"/>
+              <a:t>2</a:t>
+            </a:fld>
+            <a:endParaRPr lang="de-DE"/>
+          </a:p>
+        </p:txBody>
+      </p:sp>
+    </p:spTree>
+    <p:extLst>
+      <p:ext uri="{BB962C8B-B14F-4D97-AF65-F5344CB8AC3E}">
+        <p14:creationId xmlns:p14="http://schemas.microsoft.com/office/powerpoint/2010/main" val="108959339"/>
+      </p:ext>
+    </p:extLst>
+  </p:cSld>
+  <p:clrMapOvr>
+    <a:masterClrMapping/>
+  </p:clrMapOvr>
+</p:notes>
+</file>
+
 <file path=ppt/slideLayouts/slideLayout1.xml><?xml version="1.0" encoding="utf-8"?>
 <p:sldLayout xmlns:a="http://schemas.openxmlformats.org/drawingml/2006/main" xmlns:r="http://schemas.openxmlformats.org/officeDocument/2006/relationships" xmlns:p="http://schemas.openxmlformats.org/presentationml/2006/main" type="title" preserve="1">
   <p:cSld name="Titelfolie">
@@ -643,7 +1566,7 @@
           <a:p>
             <a:fld id="{00781EAF-5D38-4307-A880-116C3607676F}" type="datetime1">
               <a:rPr lang="de-DE" smtClean="0"/>
-              <a:t>25.06.2015</a:t>
+              <a:t>29.06.2015</a:t>
             </a:fld>
             <a:endParaRPr lang="de-DE"/>
           </a:p>
@@ -812,7 +1735,7 @@
           <a:p>
             <a:fld id="{1644D97E-137F-4E35-8854-951126A2FD34}" type="datetime1">
               <a:rPr lang="de-DE" smtClean="0"/>
-              <a:t>25.06.2015</a:t>
+              <a:t>29.06.2015</a:t>
             </a:fld>
             <a:endParaRPr lang="de-DE"/>
           </a:p>
@@ -991,7 +1914,7 @@
           <a:p>
             <a:fld id="{1CD1BA2D-A256-4537-9A28-EB7250D11B4D}" type="datetime1">
               <a:rPr lang="de-DE" smtClean="0"/>
-              <a:t>25.06.2015</a:t>
+              <a:t>29.06.2015</a:t>
             </a:fld>
             <a:endParaRPr lang="de-DE"/>
           </a:p>
@@ -1160,7 +2083,7 @@
           <a:p>
             <a:fld id="{9793C4F8-5022-4982-A1C7-60A909C93A6A}" type="datetime1">
               <a:rPr lang="de-DE" smtClean="0"/>
-              <a:t>25.06.2015</a:t>
+              <a:t>29.06.2015</a:t>
             </a:fld>
             <a:endParaRPr lang="de-DE"/>
           </a:p>
@@ -1405,7 +2328,7 @@
           <a:p>
             <a:fld id="{AFCF1B91-4B26-4443-8D5E-5C2C56F30BDC}" type="datetime1">
               <a:rPr lang="de-DE" smtClean="0"/>
-              <a:t>25.06.2015</a:t>
+              <a:t>29.06.2015</a:t>
             </a:fld>
             <a:endParaRPr lang="de-DE"/>
           </a:p>
@@ -1692,7 +2615,7 @@
           <a:p>
             <a:fld id="{D014C72B-3EC0-4082-842F-744569193D2C}" type="datetime1">
               <a:rPr lang="de-DE" smtClean="0"/>
-              <a:t>25.06.2015</a:t>
+              <a:t>29.06.2015</a:t>
             </a:fld>
             <a:endParaRPr lang="de-DE"/>
           </a:p>
@@ -2113,7 +3036,7 @@
           <a:p>
             <a:fld id="{BD22693E-1F5D-4B50-9EE3-550A3D2C1389}" type="datetime1">
               <a:rPr lang="de-DE" smtClean="0"/>
-              <a:t>25.06.2015</a:t>
+              <a:t>29.06.2015</a:t>
             </a:fld>
             <a:endParaRPr lang="de-DE"/>
           </a:p>
@@ -2230,7 +3153,7 @@
           <a:p>
             <a:fld id="{516356E6-FEEB-469C-8697-23A32CF94B86}" type="datetime1">
               <a:rPr lang="de-DE" smtClean="0"/>
-              <a:t>25.06.2015</a:t>
+              <a:t>29.06.2015</a:t>
             </a:fld>
             <a:endParaRPr lang="de-DE"/>
           </a:p>
@@ -2324,7 +3247,7 @@
           <a:p>
             <a:fld id="{5EFC906F-5234-4EBF-8CB2-56E8DDF4D3C1}" type="datetime1">
               <a:rPr lang="de-DE" smtClean="0"/>
-              <a:t>25.06.2015</a:t>
+              <a:t>29.06.2015</a:t>
             </a:fld>
             <a:endParaRPr lang="de-DE"/>
           </a:p>
@@ -2600,7 +3523,7 @@
           <a:p>
             <a:fld id="{031B132D-88A7-463D-82EA-397D1B6A6E70}" type="datetime1">
               <a:rPr lang="de-DE" smtClean="0"/>
-              <a:t>25.06.2015</a:t>
+              <a:t>29.06.2015</a:t>
             </a:fld>
             <a:endParaRPr lang="de-DE"/>
           </a:p>
@@ -2852,7 +3775,7 @@
           <a:p>
             <a:fld id="{8B0B5862-8595-4747-9E23-CDA439968017}" type="datetime1">
               <a:rPr lang="de-DE" smtClean="0"/>
-              <a:t>25.06.2015</a:t>
+              <a:t>29.06.2015</a:t>
             </a:fld>
             <a:endParaRPr lang="de-DE"/>
           </a:p>
@@ -3064,7 +3987,7 @@
           <a:p>
             <a:fld id="{7F50287E-193D-480B-B6E9-3208F1302D56}" type="datetime1">
               <a:rPr lang="de-DE" smtClean="0"/>
-              <a:t>25.06.2015</a:t>
+              <a:t>29.06.2015</a:t>
             </a:fld>
             <a:endParaRPr lang="de-DE"/>
           </a:p>

--- a/non-src/Presentation/relevance.pptx
+++ b/non-src/Presentation/relevance.pptx
@@ -194,7 +194,7 @@
           <a:p>
             <a:fld id="{D374BD28-B62A-4B4A-8C29-1CC5490DA60C}" type="datetimeFigureOut">
               <a:rPr lang="de-DE" smtClean="0"/>
-              <a:t>29.06.2015</a:t>
+              <a:t>30.06.2015</a:t>
             </a:fld>
             <a:endParaRPr lang="de-DE"/>
           </a:p>
@@ -1566,7 +1566,7 @@
           <a:p>
             <a:fld id="{00781EAF-5D38-4307-A880-116C3607676F}" type="datetime1">
               <a:rPr lang="de-DE" smtClean="0"/>
-              <a:t>29.06.2015</a:t>
+              <a:t>30.06.2015</a:t>
             </a:fld>
             <a:endParaRPr lang="de-DE"/>
           </a:p>
@@ -1735,7 +1735,7 @@
           <a:p>
             <a:fld id="{1644D97E-137F-4E35-8854-951126A2FD34}" type="datetime1">
               <a:rPr lang="de-DE" smtClean="0"/>
-              <a:t>29.06.2015</a:t>
+              <a:t>30.06.2015</a:t>
             </a:fld>
             <a:endParaRPr lang="de-DE"/>
           </a:p>
@@ -1914,7 +1914,7 @@
           <a:p>
             <a:fld id="{1CD1BA2D-A256-4537-9A28-EB7250D11B4D}" type="datetime1">
               <a:rPr lang="de-DE" smtClean="0"/>
-              <a:t>29.06.2015</a:t>
+              <a:t>30.06.2015</a:t>
             </a:fld>
             <a:endParaRPr lang="de-DE"/>
           </a:p>
@@ -2083,7 +2083,7 @@
           <a:p>
             <a:fld id="{9793C4F8-5022-4982-A1C7-60A909C93A6A}" type="datetime1">
               <a:rPr lang="de-DE" smtClean="0"/>
-              <a:t>29.06.2015</a:t>
+              <a:t>30.06.2015</a:t>
             </a:fld>
             <a:endParaRPr lang="de-DE"/>
           </a:p>
@@ -2328,7 +2328,7 @@
           <a:p>
             <a:fld id="{AFCF1B91-4B26-4443-8D5E-5C2C56F30BDC}" type="datetime1">
               <a:rPr lang="de-DE" smtClean="0"/>
-              <a:t>29.06.2015</a:t>
+              <a:t>30.06.2015</a:t>
             </a:fld>
             <a:endParaRPr lang="de-DE"/>
           </a:p>
@@ -2615,7 +2615,7 @@
           <a:p>
             <a:fld id="{D014C72B-3EC0-4082-842F-744569193D2C}" type="datetime1">
               <a:rPr lang="de-DE" smtClean="0"/>
-              <a:t>29.06.2015</a:t>
+              <a:t>30.06.2015</a:t>
             </a:fld>
             <a:endParaRPr lang="de-DE"/>
           </a:p>
@@ -3036,7 +3036,7 @@
           <a:p>
             <a:fld id="{BD22693E-1F5D-4B50-9EE3-550A3D2C1389}" type="datetime1">
               <a:rPr lang="de-DE" smtClean="0"/>
-              <a:t>29.06.2015</a:t>
+              <a:t>30.06.2015</a:t>
             </a:fld>
             <a:endParaRPr lang="de-DE"/>
           </a:p>
@@ -3153,7 +3153,7 @@
           <a:p>
             <a:fld id="{516356E6-FEEB-469C-8697-23A32CF94B86}" type="datetime1">
               <a:rPr lang="de-DE" smtClean="0"/>
-              <a:t>29.06.2015</a:t>
+              <a:t>30.06.2015</a:t>
             </a:fld>
             <a:endParaRPr lang="de-DE"/>
           </a:p>
@@ -3247,7 +3247,7 @@
           <a:p>
             <a:fld id="{5EFC906F-5234-4EBF-8CB2-56E8DDF4D3C1}" type="datetime1">
               <a:rPr lang="de-DE" smtClean="0"/>
-              <a:t>29.06.2015</a:t>
+              <a:t>30.06.2015</a:t>
             </a:fld>
             <a:endParaRPr lang="de-DE"/>
           </a:p>
@@ -3523,7 +3523,7 @@
           <a:p>
             <a:fld id="{031B132D-88A7-463D-82EA-397D1B6A6E70}" type="datetime1">
               <a:rPr lang="de-DE" smtClean="0"/>
-              <a:t>29.06.2015</a:t>
+              <a:t>30.06.2015</a:t>
             </a:fld>
             <a:endParaRPr lang="de-DE"/>
           </a:p>
@@ -3775,7 +3775,7 @@
           <a:p>
             <a:fld id="{8B0B5862-8595-4747-9E23-CDA439968017}" type="datetime1">
               <a:rPr lang="de-DE" smtClean="0"/>
-              <a:t>29.06.2015</a:t>
+              <a:t>30.06.2015</a:t>
             </a:fld>
             <a:endParaRPr lang="de-DE"/>
           </a:p>
@@ -3987,7 +3987,7 @@
           <a:p>
             <a:fld id="{7F50287E-193D-480B-B6E9-3208F1302D56}" type="datetime1">
               <a:rPr lang="de-DE" smtClean="0"/>
-              <a:t>29.06.2015</a:t>
+              <a:t>30.06.2015</a:t>
             </a:fld>
             <a:endParaRPr lang="de-DE"/>
           </a:p>
@@ -4709,7 +4709,7 @@
             <p:ph idx="1"/>
             <p:extLst>
               <p:ext uri="{D42A27DB-BD31-4B8C-83A1-F6EECF244321}">
-                <p14:modId xmlns:p14="http://schemas.microsoft.com/office/powerpoint/2010/main" val="2390360413"/>
+                <p14:modId xmlns:p14="http://schemas.microsoft.com/office/powerpoint/2010/main" val="988135334"/>
               </p:ext>
             </p:extLst>
           </p:nvPr>
@@ -5542,7 +5542,7 @@
                     <a:p>
                       <a:r>
                         <a:rPr lang="de-DE" dirty="0" smtClean="0"/>
-                        <a:t>3857</a:t>
+                        <a:t>4643</a:t>
                       </a:r>
                       <a:endParaRPr lang="de-DE" dirty="0"/>
                     </a:p>
@@ -5556,7 +5556,7 @@
                     <a:p>
                       <a:r>
                         <a:rPr lang="de-DE" dirty="0" smtClean="0"/>
-                        <a:t>5636</a:t>
+                        <a:t>4816</a:t>
                       </a:r>
                       <a:endParaRPr lang="de-DE" dirty="0"/>
                     </a:p>
@@ -5570,7 +5570,7 @@
                     <a:p>
                       <a:r>
                         <a:rPr lang="de-DE" dirty="0" smtClean="0"/>
-                        <a:t>426</a:t>
+                        <a:t>453</a:t>
                       </a:r>
                       <a:endParaRPr lang="de-DE" dirty="0"/>
                     </a:p>
@@ -5584,7 +5584,7 @@
                     <a:p>
                       <a:r>
                         <a:rPr lang="de-DE" dirty="0" smtClean="0"/>
-                        <a:t>-1573</a:t>
+                        <a:t>-598</a:t>
                       </a:r>
                       <a:endParaRPr lang="de-DE" dirty="0"/>
                     </a:p>

--- a/non-src/Presentation/relevance.pptx
+++ b/non-src/Presentation/relevance.pptx
@@ -4709,7 +4709,7 @@
             <p:ph idx="1"/>
             <p:extLst>
               <p:ext uri="{D42A27DB-BD31-4B8C-83A1-F6EECF244321}">
-                <p14:modId xmlns:p14="http://schemas.microsoft.com/office/powerpoint/2010/main" val="988135334"/>
+                <p14:modId xmlns:p14="http://schemas.microsoft.com/office/powerpoint/2010/main" val="2930559629"/>
               </p:ext>
             </p:extLst>
           </p:nvPr>
@@ -5011,8 +5011,8 @@
                     <a:lstStyle/>
                     <a:p>
                       <a:r>
-                        <a:rPr lang="de-DE" dirty="0" smtClean="0"/>
-                        <a:t>Simple</a:t>
+                        <a:rPr lang="de-DE" smtClean="0"/>
+                        <a:t>Goal</a:t>
                       </a:r>
                       <a:endParaRPr lang="de-DE" dirty="0"/>
                     </a:p>
